--- a/hw1/HW1-part3-insights-Dutile.pptx
+++ b/hw1/HW1-part3-insights-Dutile.pptx
@@ -216,7 +216,7 @@
           <a:p>
             <a:fld id="{69F838D6-D208-E54F-80E5-7DC509039C32}" type="datetimeFigureOut">
               <a:rPr lang="en-US" smtClean="0"/>
-              <a:t>1/30/18</a:t>
+              <a:t>2/3/18</a:t>
             </a:fld>
             <a:endParaRPr lang="en-US"/>
           </a:p>
@@ -382,7 +382,7 @@
           <a:p>
             <a:fld id="{C4DE9AAC-E34A-E34F-8216-9BD67DCDB2D8}" type="datetimeFigureOut">
               <a:rPr lang="en-US" smtClean="0"/>
-              <a:t>1/30/18</a:t>
+              <a:t>2/3/18</a:t>
             </a:fld>
             <a:endParaRPr lang="en-US"/>
           </a:p>
@@ -830,7 +830,7 @@
           <a:p>
             <a:fld id="{C611CFCD-6730-ED4D-9884-6F3EFDED8E2A}" type="datetime4">
               <a:rPr lang="en-US" smtClean="0"/>
-              <a:t>January 30, 2018</a:t>
+              <a:t>February 3, 2018</a:t>
             </a:fld>
             <a:endParaRPr lang="en-US"/>
           </a:p>
@@ -1020,7 +1020,7 @@
           <a:p>
             <a:fld id="{7B14BF03-6D7C-EE41-A3D6-9AC2C5A314DE}" type="datetime4">
               <a:rPr lang="en-US" smtClean="0"/>
-              <a:t>January 30, 2018</a:t>
+              <a:t>February 3, 2018</a:t>
             </a:fld>
             <a:endParaRPr lang="en-US"/>
           </a:p>
@@ -1153,7 +1153,7 @@
           <a:p>
             <a:fld id="{582F525F-F280-904A-8B95-120BA1BA5DAA}" type="datetime4">
               <a:rPr lang="en-US" smtClean="0"/>
-              <a:t>January 30, 2018</a:t>
+              <a:t>February 3, 2018</a:t>
             </a:fld>
             <a:endParaRPr lang="en-US" dirty="0"/>
           </a:p>
@@ -1457,7 +1457,7 @@
           <a:p>
             <a:fld id="{B7154F30-3877-734E-854C-19E66CA08E5E}" type="datetime4">
               <a:rPr lang="en-US" smtClean="0"/>
-              <a:t>January 30, 2018</a:t>
+              <a:t>February 3, 2018</a:t>
             </a:fld>
             <a:endParaRPr lang="en-US"/>
           </a:p>
@@ -1764,7 +1764,7 @@
           <a:p>
             <a:fld id="{AB387ED7-E26B-424C-9711-F96B35D63E91}" type="datetime4">
               <a:rPr lang="en-US" smtClean="0"/>
-              <a:t>January 30, 2018</a:t>
+              <a:t>February 3, 2018</a:t>
             </a:fld>
             <a:endParaRPr lang="en-US"/>
           </a:p>
@@ -2281,7 +2281,7 @@
             <a:fld id="{3CC2E546-CF99-9342-A932-97B5BCE907EC}" type="datetime4">
               <a:rPr lang="en-US" smtClean="0"/>
               <a:pPr/>
-              <a:t>January 30, 2018</a:t>
+              <a:t>February 3, 2018</a:t>
             </a:fld>
             <a:endParaRPr lang="en-US" dirty="0"/>
           </a:p>
@@ -2950,7 +2950,7 @@
           <a:p>
             <a:fld id="{BD2BB51D-D5DA-4248-9820-F2444E49A588}" type="datetime4">
               <a:rPr lang="en-US" smtClean="0"/>
-              <a:t>January 30, 2018</a:t>
+              <a:t>February 3, 2018</a:t>
             </a:fld>
             <a:endParaRPr lang="en-US"/>
           </a:p>
@@ -3120,7 +3120,7 @@
           <a:p>
             <a:fld id="{E1E873FF-2298-5B4A-88E3-6CE468CA35A0}" type="datetime4">
               <a:rPr lang="en-US" smtClean="0"/>
-              <a:t>January 30, 2018</a:t>
+              <a:t>February 3, 2018</a:t>
             </a:fld>
             <a:endParaRPr lang="en-US"/>
           </a:p>
@@ -3178,7 +3178,7 @@
       </p:sp>
       <p:pic>
         <p:nvPicPr>
-          <p:cNvPr id="7" name="Picture 6"/>
+          <p:cNvPr id="8" name="Picture 7"/>
           <p:cNvPicPr>
             <a:picLocks noChangeAspect="1"/>
           </p:cNvPicPr>
@@ -3198,8 +3198,8 @@
         </p:blipFill>
         <p:spPr>
           <a:xfrm>
-            <a:off x="2430569" y="1400175"/>
-            <a:ext cx="6256231" cy="4309716"/>
+            <a:off x="2748284" y="1609413"/>
+            <a:ext cx="5857933" cy="3776235"/>
           </a:xfrm>
           <a:prstGeom prst="rect">
             <a:avLst/>
@@ -3340,7 +3340,7 @@
           <a:p>
             <a:fld id="{E1E873FF-2298-5B4A-88E3-6CE468CA35A0}" type="datetime4">
               <a:rPr lang="en-US" smtClean="0"/>
-              <a:t>January 30, 2018</a:t>
+              <a:t>February 3, 2018</a:t>
             </a:fld>
             <a:endParaRPr lang="en-US"/>
           </a:p>
@@ -3540,7 +3540,7 @@
           <a:p>
             <a:fld id="{E1E873FF-2298-5B4A-88E3-6CE468CA35A0}" type="datetime4">
               <a:rPr lang="en-US" smtClean="0"/>
-              <a:t>January 30, 2018</a:t>
+              <a:t>February 3, 2018</a:t>
             </a:fld>
             <a:endParaRPr lang="en-US"/>
           </a:p>
@@ -3746,7 +3746,7 @@
           <a:p>
             <a:fld id="{E1E873FF-2298-5B4A-88E3-6CE468CA35A0}" type="datetime4">
               <a:rPr lang="en-US" smtClean="0"/>
-              <a:t>January 30, 2018</a:t>
+              <a:t>February 3, 2018</a:t>
             </a:fld>
             <a:endParaRPr lang="en-US"/>
           </a:p>
@@ -3916,7 +3916,7 @@
           <a:p>
             <a:fld id="{E1E873FF-2298-5B4A-88E3-6CE468CA35A0}" type="datetime4">
               <a:rPr lang="en-US" smtClean="0"/>
-              <a:t>January 30, 2018</a:t>
+              <a:t>February 3, 2018</a:t>
             </a:fld>
             <a:endParaRPr lang="en-US"/>
           </a:p>
